--- a/javabase1Jvm/src/main/java/com/javabase/jvm1runtime/runtimeDetail/5.GC参数.pptx
+++ b/javabase1Jvm/src/main/java/com/javabase/jvm1runtime/runtimeDetail/5.GC参数.pptx
@@ -7714,7 +7714,15 @@
             </a:r>
             <a:r>
               <a:rPr lang="zh-CN" altLang="en-US" dirty="0" smtClean="0"/>
-              <a:t>的阈值</a:t>
+              <a:t>的阈值（占用了多少的时候触发</a:t>
+            </a:r>
+            <a:r>
+              <a:rPr lang="en-US" altLang="zh-CN" dirty="0" smtClean="0"/>
+              <a:t>gc</a:t>
+            </a:r>
+            <a:r>
+              <a:rPr lang="zh-CN" altLang="en-US" dirty="0" smtClean="0"/>
+              <a:t>）</a:t>
             </a:r>
             <a:endParaRPr lang="en-US" altLang="zh-CN" dirty="0" smtClean="0"/>
           </a:p>
@@ -14971,7 +14979,15 @@
             </a:r>
             <a:r>
               <a:rPr lang="en-US" altLang="zh-CN" dirty="0" err="1" smtClean="0"/>
-              <a:t>UseSerialGC</a:t>
+              <a:t>UseSerialGC </a:t>
+            </a:r>
+            <a:r>
+              <a:rPr lang="zh-CN" altLang="en-US" dirty="0" err="1" smtClean="0"/>
+              <a:t>（开始串行回收 下面具体回收方式</a:t>
+            </a:r>
+            <a:r>
+              <a:rPr lang="zh-CN" altLang="en-US" dirty="0" err="1" smtClean="0"/>
+              <a:t>）</a:t>
             </a:r>
             <a:endParaRPr lang="en-US" altLang="zh-CN" dirty="0" smtClean="0"/>
           </a:p>
